--- a/2020/7月/工作/clickhouse_configserver_设计.pptx
+++ b/2020/7月/工作/clickhouse_configserver_设计.pptx
@@ -5786,7 +5786,7 @@
                 <a:ea typeface="Microsoft YaHei" pitchFamily="34" charset="-122"/>
                 <a:cs typeface="+mj-cs"/>
               </a:rPr>
-              <a:t>Element</a:t>
+              <a:t>Deploy-Need</a:t>
             </a:r>
             <a:endParaRPr lang="en-US" altLang="zh-CN" kern="1200" dirty="0">
               <a:solidFill>
@@ -6244,8 +6244,8 @@
         </p:blipFill>
         <p:spPr>
           <a:xfrm>
-            <a:off x="1480820" y="587375"/>
-            <a:ext cx="9260205" cy="6017895"/>
+            <a:off x="693420" y="-304165"/>
+            <a:ext cx="10804525" cy="7021195"/>
           </a:xfrm>
           <a:prstGeom prst="rect">
             <a:avLst/>
@@ -6952,10 +6952,6 @@
             <a:spAutoFit/>
           </a:bodyPr>
           <a:p>
-            <a:r>
-              <a:rPr lang="zh-CN" altLang="en-US" sz="800"/>
-              <a:t>type Yandex yandex</a:t>
-            </a:r>
             <a:endParaRPr lang="zh-CN" altLang="en-US" sz="800"/>
           </a:p>
           <a:p>
